--- a/ppt/2. Query Plans/Query Plan Usage - KCDC 2018.pptx
+++ b/ppt/2. Query Plans/Query Plan Usage - KCDC 2018.pptx
@@ -1336,8 +1336,8 @@
       </dsp:nvSpPr>
       <dsp:spPr>
         <a:xfrm>
-          <a:off x="617219" y="0"/>
-          <a:ext cx="6995160" cy="4754562"/>
+          <a:off x="621506" y="0"/>
+          <a:ext cx="7043737" cy="4754562"/>
         </a:xfrm>
         <a:prstGeom prst="rightArrow">
           <a:avLst/>
@@ -1376,8 +1376,8 @@
       </dsp:nvSpPr>
       <dsp:spPr>
         <a:xfrm>
-          <a:off x="7328" y="1426368"/>
-          <a:ext cx="1975227" cy="1901824"/>
+          <a:off x="6838" y="1426368"/>
+          <a:ext cx="1989214" cy="1901824"/>
         </a:xfrm>
         <a:prstGeom prst="roundRect">
           <a:avLst/>
@@ -1443,8 +1443,8 @@
         </a:p>
       </dsp:txBody>
       <dsp:txXfrm>
-        <a:off x="100167" y="1519207"/>
-        <a:ext cx="1789549" cy="1716146"/>
+        <a:off x="99677" y="1519207"/>
+        <a:ext cx="1803536" cy="1716146"/>
       </dsp:txXfrm>
     </dsp:sp>
     <dsp:sp modelId="{315476CE-A624-44D4-8410-DFAD7DD4E4AE}">
@@ -1454,8 +1454,8 @@
       </dsp:nvSpPr>
       <dsp:spPr>
         <a:xfrm>
-          <a:off x="2087233" y="1426368"/>
-          <a:ext cx="1975227" cy="1901824"/>
+          <a:off x="2101458" y="1426368"/>
+          <a:ext cx="1989214" cy="1901824"/>
         </a:xfrm>
         <a:prstGeom prst="roundRect">
           <a:avLst/>
@@ -1525,8 +1525,8 @@
         </a:p>
       </dsp:txBody>
       <dsp:txXfrm>
-        <a:off x="2180072" y="1519207"/>
-        <a:ext cx="1789549" cy="1716146"/>
+        <a:off x="2194297" y="1519207"/>
+        <a:ext cx="1803536" cy="1716146"/>
       </dsp:txXfrm>
     </dsp:sp>
     <dsp:sp modelId="{63684F75-8CFC-4BDF-9FF0-6D0F666F3373}">
@@ -1536,8 +1536,8 @@
       </dsp:nvSpPr>
       <dsp:spPr>
         <a:xfrm>
-          <a:off x="4167139" y="1426368"/>
-          <a:ext cx="1975227" cy="1901824"/>
+          <a:off x="4196077" y="1426368"/>
+          <a:ext cx="1989214" cy="1901824"/>
         </a:xfrm>
         <a:prstGeom prst="roundRect">
           <a:avLst/>
@@ -1603,8 +1603,8 @@
         </a:p>
       </dsp:txBody>
       <dsp:txXfrm>
-        <a:off x="4259978" y="1519207"/>
-        <a:ext cx="1789549" cy="1716146"/>
+        <a:off x="4288916" y="1519207"/>
+        <a:ext cx="1803536" cy="1716146"/>
       </dsp:txXfrm>
     </dsp:sp>
     <dsp:sp modelId="{2458CC12-8AFE-4B82-99CF-83DC74C52AF2}">
@@ -1614,8 +1614,8 @@
       </dsp:nvSpPr>
       <dsp:spPr>
         <a:xfrm>
-          <a:off x="6247044" y="1426368"/>
-          <a:ext cx="1975227" cy="1901824"/>
+          <a:off x="6290697" y="1426368"/>
+          <a:ext cx="1989214" cy="1901824"/>
         </a:xfrm>
         <a:prstGeom prst="roundRect">
           <a:avLst/>
@@ -1681,8 +1681,8 @@
         </a:p>
       </dsp:txBody>
       <dsp:txXfrm>
-        <a:off x="6339883" y="1519207"/>
-        <a:ext cx="1789549" cy="1716146"/>
+        <a:off x="6383536" y="1519207"/>
+        <a:ext cx="1803536" cy="1716146"/>
       </dsp:txXfrm>
     </dsp:sp>
   </dsp:spTree>
@@ -2960,7 +2960,7 @@
             <a:fld id="{39B755E1-B875-4345-9E08-1F1343F34CFB}" type="datetimeFigureOut">
               <a:rPr lang="de-DE" smtClean="0"/>
               <a:pPr/>
-              <a:t>08.07.2018</a:t>
+              <a:t>10.07.2018</a:t>
             </a:fld>
             <a:endParaRPr lang="de-DE"/>
           </a:p>
@@ -3131,7 +3131,7 @@
             <a:fld id="{D2D44B57-88A1-4FED-9099-D3EA9281BC0F}" type="datetimeFigureOut">
               <a:rPr lang="de-DE" smtClean="0"/>
               <a:pPr/>
-              <a:t>08.07.2018</a:t>
+              <a:t>10.07.2018</a:t>
             </a:fld>
             <a:endParaRPr lang="de-DE"/>
           </a:p>
@@ -4460,7 +4460,7 @@
           <a:p>
             <a:fld id="{96DFF08F-DC6B-4601-B491-B0F83F6DD2DA}" type="datetimeFigureOut">
               <a:rPr lang="en-US" smtClean="0"/>
-              <a:t>7/8/2018</a:t>
+              <a:t>7/10/2018</a:t>
             </a:fld>
             <a:endParaRPr lang="en-US" dirty="0"/>
           </a:p>
@@ -4659,7 +4659,7 @@
           <a:p>
             <a:fld id="{96DFF08F-DC6B-4601-B491-B0F83F6DD2DA}" type="datetimeFigureOut">
               <a:rPr lang="en-US" smtClean="0"/>
-              <a:t>7/8/2018</a:t>
+              <a:t>7/10/2018</a:t>
             </a:fld>
             <a:endParaRPr lang="en-US" dirty="0"/>
           </a:p>
@@ -4875,7 +4875,7 @@
           <a:p>
             <a:fld id="{96DFF08F-DC6B-4601-B491-B0F83F6DD2DA}" type="datetimeFigureOut">
               <a:rPr lang="en-US" smtClean="0"/>
-              <a:t>7/8/2018</a:t>
+              <a:t>7/10/2018</a:t>
             </a:fld>
             <a:endParaRPr lang="en-US" dirty="0"/>
           </a:p>
@@ -8469,7 +8469,7 @@
           <a:p>
             <a:fld id="{A3E28D29-1ECB-41DF-951B-2A23F95AD026}" type="datetimeFigureOut">
               <a:rPr lang="en-US" smtClean="0"/>
-              <a:t>7/8/2018</a:t>
+              <a:t>7/10/2018</a:t>
             </a:fld>
             <a:endParaRPr lang="en-US" dirty="0"/>
           </a:p>
@@ -8746,7 +8746,7 @@
           <a:p>
             <a:fld id="{96DFF08F-DC6B-4601-B491-B0F83F6DD2DA}" type="datetimeFigureOut">
               <a:rPr lang="en-US" smtClean="0"/>
-              <a:t>7/8/2018</a:t>
+              <a:t>7/10/2018</a:t>
             </a:fld>
             <a:endParaRPr lang="en-US" dirty="0"/>
           </a:p>
@@ -9019,7 +9019,7 @@
           <a:p>
             <a:fld id="{96DFF08F-DC6B-4601-B491-B0F83F6DD2DA}" type="datetimeFigureOut">
               <a:rPr lang="en-US" smtClean="0"/>
-              <a:t>7/8/2018</a:t>
+              <a:t>7/10/2018</a:t>
             </a:fld>
             <a:endParaRPr lang="en-US" dirty="0"/>
           </a:p>
@@ -9439,7 +9439,7 @@
           <a:p>
             <a:fld id="{96DFF08F-DC6B-4601-B491-B0F83F6DD2DA}" type="datetimeFigureOut">
               <a:rPr lang="en-US" smtClean="0"/>
-              <a:t>7/8/2018</a:t>
+              <a:t>7/10/2018</a:t>
             </a:fld>
             <a:endParaRPr lang="en-US" dirty="0"/>
           </a:p>
@@ -9588,7 +9588,7 @@
           <a:p>
             <a:fld id="{96DFF08F-DC6B-4601-B491-B0F83F6DD2DA}" type="datetimeFigureOut">
               <a:rPr lang="en-US" smtClean="0"/>
-              <a:t>7/8/2018</a:t>
+              <a:t>7/10/2018</a:t>
             </a:fld>
             <a:endParaRPr lang="en-US" dirty="0"/>
           </a:p>
@@ -9704,7 +9704,7 @@
             <a:fld id="{96DFF08F-DC6B-4601-B491-B0F83F6DD2DA}" type="datetimeFigureOut">
               <a:rPr lang="en-US" smtClean="0"/>
               <a:pPr/>
-              <a:t>7/8/2018</a:t>
+              <a:t>7/10/2018</a:t>
             </a:fld>
             <a:endParaRPr lang="en-US" dirty="0"/>
           </a:p>
@@ -10024,7 +10024,7 @@
             <a:fld id="{96DFF08F-DC6B-4601-B491-B0F83F6DD2DA}" type="datetimeFigureOut">
               <a:rPr lang="en-US" smtClean="0"/>
               <a:pPr/>
-              <a:t>7/8/2018</a:t>
+              <a:t>7/10/2018</a:t>
             </a:fld>
             <a:endParaRPr lang="en-US" dirty="0"/>
           </a:p>
@@ -10320,7 +10320,7 @@
           <a:p>
             <a:fld id="{96DFF08F-DC6B-4601-B491-B0F83F6DD2DA}" type="datetimeFigureOut">
               <a:rPr lang="en-US" smtClean="0"/>
-              <a:t>7/8/2018</a:t>
+              <a:t>7/10/2018</a:t>
             </a:fld>
             <a:endParaRPr lang="en-US" dirty="0"/>
           </a:p>
@@ -10570,7 +10570,7 @@
             <a:fld id="{96DFF08F-DC6B-4601-B491-B0F83F6DD2DA}" type="datetimeFigureOut">
               <a:rPr lang="en-US" smtClean="0"/>
               <a:pPr/>
-              <a:t>7/8/2018</a:t>
+              <a:t>7/10/2018</a:t>
             </a:fld>
             <a:endParaRPr lang="en-US" dirty="0"/>
           </a:p>
@@ -12185,70 +12185,75 @@
         </p:nvSpPr>
         <p:spPr/>
         <p:txBody>
-          <a:bodyPr/>
+          <a:bodyPr>
+            <a:normAutofit/>
+          </a:bodyPr>
           <a:lstStyle/>
           <a:p>
             <a:r>
-              <a:rPr lang="en-US" dirty="0"/>
+              <a:rPr lang="en-US" sz="2800" dirty="0"/>
+              <a:t>Cache Memory</a:t>
+            </a:r>
+          </a:p>
+          <a:p>
+            <a:pPr lvl="1"/>
+            <a:r>
+              <a:rPr lang="en-US" sz="2400" dirty="0"/>
+              <a:t>Query plans</a:t>
+            </a:r>
+          </a:p>
+          <a:p>
+            <a:pPr lvl="1"/>
+            <a:r>
+              <a:rPr lang="en-US" sz="2400" dirty="0" err="1"/>
+              <a:t>sys.dm_os_memory_cache_counters</a:t>
+            </a:r>
+            <a:endParaRPr lang="en-US" sz="2400" dirty="0"/>
+          </a:p>
+          <a:p>
+            <a:endParaRPr lang="en-US" sz="2800" dirty="0"/>
+          </a:p>
+          <a:p>
+            <a:r>
+              <a:rPr lang="en-US" sz="2800" dirty="0"/>
               <a:t>Buffer Memory</a:t>
             </a:r>
           </a:p>
           <a:p>
             <a:pPr lvl="1"/>
             <a:r>
-              <a:rPr lang="en-US" dirty="0"/>
+              <a:rPr lang="en-US" sz="2400" dirty="0"/>
               <a:t>Data pages</a:t>
             </a:r>
           </a:p>
           <a:p>
             <a:pPr lvl="1"/>
             <a:r>
-              <a:rPr lang="en-US" dirty="0"/>
+              <a:rPr lang="en-US" sz="2400" dirty="0"/>
               <a:t>Index pages</a:t>
             </a:r>
           </a:p>
           <a:p>
             <a:pPr lvl="1"/>
             <a:r>
-              <a:rPr lang="en-US" dirty="0" err="1"/>
+              <a:rPr lang="en-US" sz="2400" dirty="0" err="1"/>
               <a:t>sys.dm_os_buffer_descriptors</a:t>
             </a:r>
-            <a:endParaRPr lang="en-US" dirty="0"/>
+            <a:endParaRPr lang="en-US" sz="2400" dirty="0"/>
           </a:p>
           <a:p>
             <a:pPr lvl="2"/>
             <a:r>
-              <a:rPr lang="en-US" dirty="0"/>
+              <a:rPr lang="en-US" sz="2000" dirty="0"/>
               <a:t>Lists every page in the buffer</a:t>
             </a:r>
           </a:p>
           <a:p>
             <a:pPr lvl="2"/>
             <a:r>
-              <a:rPr lang="en-US" dirty="0"/>
+              <a:rPr lang="en-US" sz="2000" dirty="0"/>
               <a:t>Includes database and object</a:t>
             </a:r>
-          </a:p>
-          <a:p>
-            <a:r>
-              <a:rPr lang="en-US" dirty="0"/>
-              <a:t>Cache Memory</a:t>
-            </a:r>
-          </a:p>
-          <a:p>
-            <a:pPr lvl="1"/>
-            <a:r>
-              <a:rPr lang="en-US" dirty="0"/>
-              <a:t>Query plans</a:t>
-            </a:r>
-          </a:p>
-          <a:p>
-            <a:pPr lvl="1"/>
-            <a:r>
-              <a:rPr lang="en-US" dirty="0" err="1"/>
-              <a:t>sys.dm_os_memory_cache_counters</a:t>
-            </a:r>
-            <a:endParaRPr lang="en-US" dirty="0"/>
           </a:p>
         </p:txBody>
       </p:sp>
@@ -13470,7 +13475,15 @@
             <a:pPr marL="171450" indent="-342900"/>
             <a:r>
               <a:rPr lang="en-US" dirty="0"/>
-              <a:t>SQL Server 2016 has a new cardinality estimator</a:t>
+              <a:t>SQL </a:t>
+            </a:r>
+            <a:r>
+              <a:rPr lang="en-US"/>
+              <a:t>Server 2014 </a:t>
+            </a:r>
+            <a:r>
+              <a:rPr lang="en-US" dirty="0"/>
+              <a:t>has a new cardinality estimator</a:t>
             </a:r>
           </a:p>
         </p:txBody>
@@ -13670,7 +13683,7 @@
         </p:spPr>
         <p:txBody>
           <a:bodyPr>
-            <a:normAutofit lnSpcReduction="10000"/>
+            <a:normAutofit/>
           </a:bodyPr>
           <a:lstStyle/>
           <a:p>
@@ -13734,21 +13747,7 @@
                 <a:spcPct val="150000"/>
               </a:lnSpc>
             </a:pPr>
-            <a:r>
-              <a:rPr lang="en-US" sz="2800" dirty="0"/>
-              <a:t>LINQ to SQL</a:t>
-            </a:r>
-          </a:p>
-          <a:p>
-            <a:pPr>
-              <a:lnSpc>
-                <a:spcPct val="150000"/>
-              </a:lnSpc>
-            </a:pPr>
-            <a:r>
-              <a:rPr lang="en-US" sz="2800" dirty="0"/>
-              <a:t>Monitoring</a:t>
-            </a:r>
+            <a:endParaRPr lang="en-US" sz="2800" dirty="0"/>
           </a:p>
         </p:txBody>
       </p:sp>
@@ -15284,14 +15283,14 @@
             <p:ph idx="4294967295"/>
             <p:extLst>
               <p:ext uri="{D42A27DB-BD31-4B8C-83A1-F6EECF244321}">
-                <p14:modId xmlns:p14="http://schemas.microsoft.com/office/powerpoint/2010/main" val="849277372"/>
+                <p14:modId xmlns:p14="http://schemas.microsoft.com/office/powerpoint/2010/main" val="2822102991"/>
               </p:ext>
             </p:extLst>
           </p:nvPr>
         </p:nvGraphicFramePr>
         <p:xfrm>
-          <a:off x="914400" y="1125538"/>
-          <a:ext cx="8229600" cy="4754562"/>
+          <a:off x="428596" y="1125538"/>
+          <a:ext cx="8286750" cy="4754562"/>
         </p:xfrm>
         <a:graphic>
           <a:graphicData uri="http://schemas.openxmlformats.org/drawingml/2006/diagram">

--- a/ppt/2. Query Plans/Query Plan Usage - KCDC 2018.pptx
+++ b/ppt/2. Query Plans/Query Plan Usage - KCDC 2018.pptx
@@ -5,10 +5,10 @@
     <p:sldMasterId id="2147483987" r:id="rId1"/>
   </p:sldMasterIdLst>
   <p:notesMasterIdLst>
-    <p:notesMasterId r:id="rId20"/>
+    <p:notesMasterId r:id="rId21"/>
   </p:notesMasterIdLst>
   <p:handoutMasterIdLst>
-    <p:handoutMasterId r:id="rId21"/>
+    <p:handoutMasterId r:id="rId22"/>
   </p:handoutMasterIdLst>
   <p:sldIdLst>
     <p:sldId id="265" r:id="rId2"/>
@@ -29,6 +29,7 @@
     <p:sldId id="305" r:id="rId17"/>
     <p:sldId id="296" r:id="rId18"/>
     <p:sldId id="301" r:id="rId19"/>
+    <p:sldId id="313" r:id="rId20"/>
   </p:sldIdLst>
   <p:sldSz cx="9144000" cy="6858000" type="screen4x3"/>
   <p:notesSz cx="7010400" cy="9296400"/>
@@ -11109,40 +11110,6 @@
           </a:p>
         </p:txBody>
       </p:sp>
-      <p:sp>
-        <p:nvSpPr>
-          <p:cNvPr id="2" name="TextBox 1"/>
-          <p:cNvSpPr txBox="1"/>
-          <p:nvPr/>
-        </p:nvSpPr>
-        <p:spPr>
-          <a:xfrm>
-            <a:off x="1907766" y="5349349"/>
-            <a:ext cx="5296520" cy="400110"/>
-          </a:xfrm>
-          <a:prstGeom prst="rect">
-            <a:avLst/>
-          </a:prstGeom>
-          <a:noFill/>
-        </p:spPr>
-        <p:txBody>
-          <a:bodyPr wrap="square" rtlCol="0">
-            <a:spAutoFit/>
-          </a:bodyPr>
-          <a:lstStyle/>
-          <a:p>
-            <a:pPr algn="ctr"/>
-            <a:r>
-              <a:rPr lang="en-US" sz="2000" b="1" dirty="0">
-                <a:solidFill>
-                  <a:srgbClr val="03557B"/>
-                </a:solidFill>
-              </a:rPr>
-              <a:t>Download samples at www.scalesql.com</a:t>
-            </a:r>
-          </a:p>
-        </p:txBody>
-      </p:sp>
     </p:spTree>
   </p:cSld>
   <p:clrMapOvr>
@@ -13623,6 +13590,118 @@
       </p:transition>
     </mc:Fallback>
   </mc:AlternateContent>
+</p:sld>
+</file>
+
+<file path=ppt/slides/slide19.xml><?xml version="1.0" encoding="utf-8"?>
+<p:sld xmlns:a="http://schemas.openxmlformats.org/drawingml/2006/main" xmlns:r="http://schemas.openxmlformats.org/officeDocument/2006/relationships" xmlns:p="http://schemas.openxmlformats.org/presentationml/2006/main">
+  <p:cSld>
+    <p:spTree>
+      <p:nvGrpSpPr>
+        <p:cNvPr id="1" name=""/>
+        <p:cNvGrpSpPr/>
+        <p:nvPr/>
+      </p:nvGrpSpPr>
+      <p:grpSpPr>
+        <a:xfrm>
+          <a:off x="0" y="0"/>
+          <a:ext cx="0" cy="0"/>
+          <a:chOff x="0" y="0"/>
+          <a:chExt cx="0" cy="0"/>
+        </a:xfrm>
+      </p:grpSpPr>
+      <p:sp>
+        <p:nvSpPr>
+          <p:cNvPr id="7" name="Title 6">
+            <a:extLst>
+              <a:ext uri="{FF2B5EF4-FFF2-40B4-BE49-F238E27FC236}">
+                <a16:creationId xmlns:a16="http://schemas.microsoft.com/office/drawing/2014/main" id="{E3ECFACD-8E70-4A6F-8E9B-D6E94B3A5E17}"/>
+              </a:ext>
+            </a:extLst>
+          </p:cNvPr>
+          <p:cNvSpPr>
+            <a:spLocks noGrp="1"/>
+          </p:cNvSpPr>
+          <p:nvPr>
+            <p:ph type="title"/>
+          </p:nvPr>
+        </p:nvSpPr>
+        <p:spPr/>
+        <p:txBody>
+          <a:bodyPr/>
+          <a:lstStyle/>
+          <a:p>
+            <a:r>
+              <a:rPr lang="en-US" dirty="0"/>
+              <a:t>Questions?</a:t>
+            </a:r>
+          </a:p>
+        </p:txBody>
+      </p:sp>
+      <p:sp>
+        <p:nvSpPr>
+          <p:cNvPr id="8" name="Text Placeholder 7">
+            <a:extLst>
+              <a:ext uri="{FF2B5EF4-FFF2-40B4-BE49-F238E27FC236}">
+                <a16:creationId xmlns:a16="http://schemas.microsoft.com/office/drawing/2014/main" id="{F1DCE74B-B43D-46FD-9FAE-6BDA381CD394}"/>
+              </a:ext>
+            </a:extLst>
+          </p:cNvPr>
+          <p:cNvSpPr>
+            <a:spLocks noGrp="1"/>
+          </p:cNvSpPr>
+          <p:nvPr>
+            <p:ph type="body" idx="1"/>
+          </p:nvPr>
+        </p:nvSpPr>
+        <p:spPr/>
+        <p:txBody>
+          <a:bodyPr/>
+          <a:lstStyle/>
+          <a:p>
+            <a:endParaRPr lang="en-US"/>
+          </a:p>
+        </p:txBody>
+      </p:sp>
+      <p:sp>
+        <p:nvSpPr>
+          <p:cNvPr id="4" name="Footer Placeholder 3">
+            <a:extLst>
+              <a:ext uri="{FF2B5EF4-FFF2-40B4-BE49-F238E27FC236}">
+                <a16:creationId xmlns:a16="http://schemas.microsoft.com/office/drawing/2014/main" id="{EE7C713E-27AE-47D0-AF6A-2AF4F8895576}"/>
+              </a:ext>
+            </a:extLst>
+          </p:cNvPr>
+          <p:cNvSpPr>
+            <a:spLocks noGrp="1"/>
+          </p:cNvSpPr>
+          <p:nvPr>
+            <p:ph type="ftr" sz="quarter" idx="11"/>
+          </p:nvPr>
+        </p:nvSpPr>
+        <p:spPr/>
+        <p:txBody>
+          <a:bodyPr/>
+          <a:lstStyle/>
+          <a:p>
+            <a:r>
+              <a:rPr lang="de-DE"/>
+              <a:t>Understanding the Procedure Cache</a:t>
+            </a:r>
+            <a:endParaRPr lang="de-DE" dirty="0"/>
+          </a:p>
+        </p:txBody>
+      </p:sp>
+    </p:spTree>
+    <p:extLst>
+      <p:ext uri="{BB962C8B-B14F-4D97-AF65-F5344CB8AC3E}">
+        <p14:creationId xmlns:p14="http://schemas.microsoft.com/office/powerpoint/2010/main" val="1217818366"/>
+      </p:ext>
+    </p:extLst>
+  </p:cSld>
+  <p:clrMapOvr>
+    <a:masterClrMapping/>
+  </p:clrMapOvr>
 </p:sld>
 </file>
 

--- a/ppt/2. Query Plans/Query Plan Usage - KCDC 2018.pptx
+++ b/ppt/2. Query Plans/Query Plan Usage - KCDC 2018.pptx
@@ -32,7 +32,7 @@
     <p:sldId id="313" r:id="rId20"/>
   </p:sldIdLst>
   <p:sldSz cx="9144000" cy="6858000" type="screen4x3"/>
-  <p:notesSz cx="7010400" cy="9296400"/>
+  <p:notesSz cx="6858000" cy="9296400"/>
   <p:defaultTextStyle>
     <a:defPPr>
       <a:defRPr lang="en-US"/>
@@ -145,12 +145,12 @@
     </p:ext>
     <p:ext uri="{2D200454-40CA-4A62-9FC3-DE9A4176ACB9}">
       <p15:notesGuideLst xmlns:p15="http://schemas.microsoft.com/office/powerpoint/2012/main">
-        <p15:guide id="1" orient="horz" pos="2928">
+        <p15:guide id="1" orient="horz" pos="2928" userDrawn="1">
           <p15:clr>
             <a:srgbClr val="A4A3A4"/>
           </p15:clr>
         </p15:guide>
-        <p15:guide id="2" pos="2208">
+        <p15:guide id="2" pos="2160" userDrawn="1">
           <p15:clr>
             <a:srgbClr val="A4A3A4"/>
           </p15:clr>
@@ -2913,7 +2913,7 @@
         <p:spPr>
           <a:xfrm>
             <a:off x="0" y="0"/>
-            <a:ext cx="3037840" cy="464820"/>
+            <a:ext cx="2971800" cy="464820"/>
           </a:xfrm>
           <a:prstGeom prst="rect">
             <a:avLst/>
@@ -2943,8 +2943,8 @@
         </p:nvSpPr>
         <p:spPr>
           <a:xfrm>
-            <a:off x="3970938" y="0"/>
-            <a:ext cx="3037840" cy="464820"/>
+            <a:off x="3884613" y="0"/>
+            <a:ext cx="2971800" cy="464820"/>
           </a:xfrm>
           <a:prstGeom prst="rect">
             <a:avLst/>
@@ -2961,7 +2961,7 @@
             <a:fld id="{39B755E1-B875-4345-9E08-1F1343F34CFB}" type="datetimeFigureOut">
               <a:rPr lang="de-DE" smtClean="0"/>
               <a:pPr/>
-              <a:t>10.07.2018</a:t>
+              <a:t>11.07.2018</a:t>
             </a:fld>
             <a:endParaRPr lang="de-DE"/>
           </a:p>
@@ -2980,7 +2980,7 @@
         <p:spPr>
           <a:xfrm>
             <a:off x="0" y="8829967"/>
-            <a:ext cx="3037840" cy="464820"/>
+            <a:ext cx="2971800" cy="464820"/>
           </a:xfrm>
           <a:prstGeom prst="rect">
             <a:avLst/>
@@ -3013,8 +3013,8 @@
         </p:nvSpPr>
         <p:spPr>
           <a:xfrm>
-            <a:off x="3970938" y="8829967"/>
-            <a:ext cx="3037840" cy="464820"/>
+            <a:off x="3884613" y="8829967"/>
+            <a:ext cx="2971800" cy="464820"/>
           </a:xfrm>
           <a:prstGeom prst="rect">
             <a:avLst/>
@@ -3084,7 +3084,7 @@
         <p:spPr>
           <a:xfrm>
             <a:off x="0" y="0"/>
-            <a:ext cx="3037840" cy="464820"/>
+            <a:ext cx="2971800" cy="464820"/>
           </a:xfrm>
           <a:prstGeom prst="rect">
             <a:avLst/>
@@ -3114,8 +3114,8 @@
         </p:nvSpPr>
         <p:spPr>
           <a:xfrm>
-            <a:off x="3970938" y="0"/>
-            <a:ext cx="3037840" cy="464820"/>
+            <a:off x="3884613" y="0"/>
+            <a:ext cx="2971800" cy="464820"/>
           </a:xfrm>
           <a:prstGeom prst="rect">
             <a:avLst/>
@@ -3132,7 +3132,7 @@
             <a:fld id="{D2D44B57-88A1-4FED-9099-D3EA9281BC0F}" type="datetimeFigureOut">
               <a:rPr lang="de-DE" smtClean="0"/>
               <a:pPr/>
-              <a:t>10.07.2018</a:t>
+              <a:t>11.07.2018</a:t>
             </a:fld>
             <a:endParaRPr lang="de-DE"/>
           </a:p>
@@ -3150,7 +3150,7 @@
         </p:nvSpPr>
         <p:spPr>
           <a:xfrm>
-            <a:off x="1181100" y="696913"/>
+            <a:off x="1104900" y="696913"/>
             <a:ext cx="4648200" cy="3486150"/>
           </a:xfrm>
           <a:prstGeom prst="rect">
@@ -3183,8 +3183,8 @@
         </p:nvSpPr>
         <p:spPr>
           <a:xfrm>
-            <a:off x="701040" y="4415790"/>
-            <a:ext cx="5608320" cy="4183380"/>
+            <a:off x="685800" y="4415790"/>
+            <a:ext cx="5486400" cy="4183380"/>
           </a:xfrm>
           <a:prstGeom prst="rect">
             <a:avLst/>
@@ -3245,7 +3245,7 @@
         <p:spPr>
           <a:xfrm>
             <a:off x="0" y="8829967"/>
-            <a:ext cx="3037840" cy="464820"/>
+            <a:ext cx="2971800" cy="464820"/>
           </a:xfrm>
           <a:prstGeom prst="rect">
             <a:avLst/>
@@ -3278,8 +3278,8 @@
         </p:nvSpPr>
         <p:spPr>
           <a:xfrm>
-            <a:off x="3970938" y="8829967"/>
-            <a:ext cx="3037840" cy="464820"/>
+            <a:off x="3884613" y="8829967"/>
+            <a:ext cx="2971800" cy="464820"/>
           </a:xfrm>
           <a:prstGeom prst="rect">
             <a:avLst/>
@@ -4461,7 +4461,7 @@
           <a:p>
             <a:fld id="{96DFF08F-DC6B-4601-B491-B0F83F6DD2DA}" type="datetimeFigureOut">
               <a:rPr lang="en-US" smtClean="0"/>
-              <a:t>7/10/2018</a:t>
+              <a:t>7/11/2018</a:t>
             </a:fld>
             <a:endParaRPr lang="en-US" dirty="0"/>
           </a:p>
@@ -4660,7 +4660,7 @@
           <a:p>
             <a:fld id="{96DFF08F-DC6B-4601-B491-B0F83F6DD2DA}" type="datetimeFigureOut">
               <a:rPr lang="en-US" smtClean="0"/>
-              <a:t>7/10/2018</a:t>
+              <a:t>7/11/2018</a:t>
             </a:fld>
             <a:endParaRPr lang="en-US" dirty="0"/>
           </a:p>
@@ -4876,7 +4876,7 @@
           <a:p>
             <a:fld id="{96DFF08F-DC6B-4601-B491-B0F83F6DD2DA}" type="datetimeFigureOut">
               <a:rPr lang="en-US" smtClean="0"/>
-              <a:t>7/10/2018</a:t>
+              <a:t>7/11/2018</a:t>
             </a:fld>
             <a:endParaRPr lang="en-US" dirty="0"/>
           </a:p>
@@ -8470,7 +8470,7 @@
           <a:p>
             <a:fld id="{A3E28D29-1ECB-41DF-951B-2A23F95AD026}" type="datetimeFigureOut">
               <a:rPr lang="en-US" smtClean="0"/>
-              <a:t>7/10/2018</a:t>
+              <a:t>7/11/2018</a:t>
             </a:fld>
             <a:endParaRPr lang="en-US" dirty="0"/>
           </a:p>
@@ -8747,7 +8747,7 @@
           <a:p>
             <a:fld id="{96DFF08F-DC6B-4601-B491-B0F83F6DD2DA}" type="datetimeFigureOut">
               <a:rPr lang="en-US" smtClean="0"/>
-              <a:t>7/10/2018</a:t>
+              <a:t>7/11/2018</a:t>
             </a:fld>
             <a:endParaRPr lang="en-US" dirty="0"/>
           </a:p>
@@ -9020,7 +9020,7 @@
           <a:p>
             <a:fld id="{96DFF08F-DC6B-4601-B491-B0F83F6DD2DA}" type="datetimeFigureOut">
               <a:rPr lang="en-US" smtClean="0"/>
-              <a:t>7/10/2018</a:t>
+              <a:t>7/11/2018</a:t>
             </a:fld>
             <a:endParaRPr lang="en-US" dirty="0"/>
           </a:p>
@@ -9440,7 +9440,7 @@
           <a:p>
             <a:fld id="{96DFF08F-DC6B-4601-B491-B0F83F6DD2DA}" type="datetimeFigureOut">
               <a:rPr lang="en-US" smtClean="0"/>
-              <a:t>7/10/2018</a:t>
+              <a:t>7/11/2018</a:t>
             </a:fld>
             <a:endParaRPr lang="en-US" dirty="0"/>
           </a:p>
@@ -9589,7 +9589,7 @@
           <a:p>
             <a:fld id="{96DFF08F-DC6B-4601-B491-B0F83F6DD2DA}" type="datetimeFigureOut">
               <a:rPr lang="en-US" smtClean="0"/>
-              <a:t>7/10/2018</a:t>
+              <a:t>7/11/2018</a:t>
             </a:fld>
             <a:endParaRPr lang="en-US" dirty="0"/>
           </a:p>
@@ -9705,7 +9705,7 @@
             <a:fld id="{96DFF08F-DC6B-4601-B491-B0F83F6DD2DA}" type="datetimeFigureOut">
               <a:rPr lang="en-US" smtClean="0"/>
               <a:pPr/>
-              <a:t>7/10/2018</a:t>
+              <a:t>7/11/2018</a:t>
             </a:fld>
             <a:endParaRPr lang="en-US" dirty="0"/>
           </a:p>
@@ -10025,7 +10025,7 @@
             <a:fld id="{96DFF08F-DC6B-4601-B491-B0F83F6DD2DA}" type="datetimeFigureOut">
               <a:rPr lang="en-US" smtClean="0"/>
               <a:pPr/>
-              <a:t>7/10/2018</a:t>
+              <a:t>7/11/2018</a:t>
             </a:fld>
             <a:endParaRPr lang="en-US" dirty="0"/>
           </a:p>
@@ -10321,7 +10321,7 @@
           <a:p>
             <a:fld id="{96DFF08F-DC6B-4601-B491-B0F83F6DD2DA}" type="datetimeFigureOut">
               <a:rPr lang="en-US" smtClean="0"/>
-              <a:t>7/10/2018</a:t>
+              <a:t>7/11/2018</a:t>
             </a:fld>
             <a:endParaRPr lang="en-US" dirty="0"/>
           </a:p>
@@ -10571,7 +10571,7 @@
             <a:fld id="{96DFF08F-DC6B-4601-B491-B0F83F6DD2DA}" type="datetimeFigureOut">
               <a:rPr lang="en-US" smtClean="0"/>
               <a:pPr/>
-              <a:t>7/10/2018</a:t>
+              <a:t>7/11/2018</a:t>
             </a:fld>
             <a:endParaRPr lang="en-US" dirty="0"/>
           </a:p>
